--- a/APLICATIVO PARA GERENCIAMENTO DE LISTA DE COMPRAS.pptx
+++ b/APLICATIVO PARA GERENCIAMENTO DE LISTA DE COMPRAS.pptx
@@ -1,32 +1,36 @@
 
 <file path=ppt/presentation.xml><?xml version="1.0" encoding="utf-8"?>
-<p:presentation xmlns:a="http://schemas.openxmlformats.org/drawingml/2006/main" xmlns:r="http://schemas.openxmlformats.org/officeDocument/2006/relationships" xmlns:p="http://schemas.openxmlformats.org/presentationml/2006/main" saveSubsetFonts="1">
+<p:presentation xmlns:a="http://schemas.openxmlformats.org/drawingml/2006/main" xmlns:r="http://schemas.openxmlformats.org/officeDocument/2006/relationships" xmlns:mc="http://schemas.openxmlformats.org/markup-compatibility/2006" xmlns:mv="urn:schemas-microsoft-com:mac:vml" xmlns:p="http://schemas.openxmlformats.org/presentationml/2006/main" xmlns:c="http://schemas.openxmlformats.org/drawingml/2006/chart" xmlns:dgm="http://schemas.openxmlformats.org/drawingml/2006/diagram" xmlns:o="urn:schemas-microsoft-com:office:office" xmlns:v="urn:schemas-microsoft-com:vml" xmlns:pvml="urn:schemas-microsoft-com:office:powerpoint" xmlns:com="http://schemas.openxmlformats.org/drawingml/2006/compatibility" xmlns:p14="http://schemas.microsoft.com/office/powerpoint/2010/main" xmlns:p15="http://schemas.microsoft.com/office/powerpoint/2012/main" autoCompressPictures="0" strictFirstAndLastChars="0" saveSubsetFonts="1">
   <p:sldMasterIdLst>
-    <p:sldMasterId id="2147483677" r:id="rId1"/>
+    <p:sldMasterId id="2147483648" r:id="rId3"/>
   </p:sldMasterIdLst>
+  <p:notesMasterIdLst>
+    <p:notesMasterId r:id="rId4"/>
+  </p:notesMasterIdLst>
   <p:sldIdLst>
-    <p:sldId id="256" r:id="rId2"/>
-    <p:sldId id="257" r:id="rId3"/>
-    <p:sldId id="258" r:id="rId4"/>
-    <p:sldId id="259" r:id="rId5"/>
-    <p:sldId id="261" r:id="rId6"/>
-    <p:sldId id="260" r:id="rId7"/>
-    <p:sldId id="262" r:id="rId8"/>
-    <p:sldId id="263" r:id="rId9"/>
-    <p:sldId id="265" r:id="rId10"/>
-    <p:sldId id="266" r:id="rId11"/>
-    <p:sldId id="267" r:id="rId12"/>
-    <p:sldId id="268" r:id="rId13"/>
-    <p:sldId id="269" r:id="rId14"/>
+    <p:sldId id="256" r:id="rId5"/>
+    <p:sldId id="257" r:id="rId6"/>
+    <p:sldId id="258" r:id="rId7"/>
+    <p:sldId id="259" r:id="rId8"/>
+    <p:sldId id="260" r:id="rId9"/>
+    <p:sldId id="261" r:id="rId10"/>
+    <p:sldId id="262" r:id="rId11"/>
+    <p:sldId id="263" r:id="rId12"/>
+    <p:sldId id="264" r:id="rId13"/>
+    <p:sldId id="265" r:id="rId14"/>
+    <p:sldId id="266" r:id="rId15"/>
+    <p:sldId id="267" r:id="rId16"/>
+    <p:sldId id="268" r:id="rId17"/>
+    <p:sldId id="269" r:id="rId18"/>
   </p:sldIdLst>
-  <p:sldSz cx="12192000" cy="6858000"/>
+  <p:sldSz cy="6858000" cx="12192000"/>
   <p:notesSz cx="6858000" cy="9144000"/>
   <p:defaultTextStyle>
-    <a:defPPr>
+    <a:defPPr lvl="0">
       <a:defRPr lang="en-US"/>
     </a:defPPr>
-    <a:lvl1pPr marL="0" algn="l" defTabSz="457200" rtl="0" eaLnBrk="1" latinLnBrk="0" hangingPunct="1">
-      <a:defRPr sz="1800" kern="1200">
+    <a:lvl1pPr defTabSz="457200" eaLnBrk="1" hangingPunct="1" latinLnBrk="0" lvl="0" marL="0" rtl="0" algn="l">
+      <a:defRPr kern="1200" sz="1800">
         <a:solidFill>
           <a:schemeClr val="tx1"/>
         </a:solidFill>
@@ -35,8 +39,8 @@
         <a:cs typeface="+mn-cs"/>
       </a:defRPr>
     </a:lvl1pPr>
-    <a:lvl2pPr marL="457200" algn="l" defTabSz="457200" rtl="0" eaLnBrk="1" latinLnBrk="0" hangingPunct="1">
-      <a:defRPr sz="1800" kern="1200">
+    <a:lvl2pPr defTabSz="457200" eaLnBrk="1" hangingPunct="1" latinLnBrk="0" lvl="1" marL="457200" rtl="0" algn="l">
+      <a:defRPr kern="1200" sz="1800">
         <a:solidFill>
           <a:schemeClr val="tx1"/>
         </a:solidFill>
@@ -45,8 +49,8 @@
         <a:cs typeface="+mn-cs"/>
       </a:defRPr>
     </a:lvl2pPr>
-    <a:lvl3pPr marL="914400" algn="l" defTabSz="457200" rtl="0" eaLnBrk="1" latinLnBrk="0" hangingPunct="1">
-      <a:defRPr sz="1800" kern="1200">
+    <a:lvl3pPr defTabSz="457200" eaLnBrk="1" hangingPunct="1" latinLnBrk="0" lvl="2" marL="914400" rtl="0" algn="l">
+      <a:defRPr kern="1200" sz="1800">
         <a:solidFill>
           <a:schemeClr val="tx1"/>
         </a:solidFill>
@@ -55,8 +59,8 @@
         <a:cs typeface="+mn-cs"/>
       </a:defRPr>
     </a:lvl3pPr>
-    <a:lvl4pPr marL="1371600" algn="l" defTabSz="457200" rtl="0" eaLnBrk="1" latinLnBrk="0" hangingPunct="1">
-      <a:defRPr sz="1800" kern="1200">
+    <a:lvl4pPr defTabSz="457200" eaLnBrk="1" hangingPunct="1" latinLnBrk="0" lvl="3" marL="1371600" rtl="0" algn="l">
+      <a:defRPr kern="1200" sz="1800">
         <a:solidFill>
           <a:schemeClr val="tx1"/>
         </a:solidFill>
@@ -65,8 +69,8 @@
         <a:cs typeface="+mn-cs"/>
       </a:defRPr>
     </a:lvl4pPr>
-    <a:lvl5pPr marL="1828800" algn="l" defTabSz="457200" rtl="0" eaLnBrk="1" latinLnBrk="0" hangingPunct="1">
-      <a:defRPr sz="1800" kern="1200">
+    <a:lvl5pPr defTabSz="457200" eaLnBrk="1" hangingPunct="1" latinLnBrk="0" lvl="4" marL="1828800" rtl="0" algn="l">
+      <a:defRPr kern="1200" sz="1800">
         <a:solidFill>
           <a:schemeClr val="tx1"/>
         </a:solidFill>
@@ -75,8 +79,8 @@
         <a:cs typeface="+mn-cs"/>
       </a:defRPr>
     </a:lvl5pPr>
-    <a:lvl6pPr marL="2286000" algn="l" defTabSz="457200" rtl="0" eaLnBrk="1" latinLnBrk="0" hangingPunct="1">
-      <a:defRPr sz="1800" kern="1200">
+    <a:lvl6pPr defTabSz="457200" eaLnBrk="1" hangingPunct="1" latinLnBrk="0" lvl="5" marL="2286000" rtl="0" algn="l">
+      <a:defRPr kern="1200" sz="1800">
         <a:solidFill>
           <a:schemeClr val="tx1"/>
         </a:solidFill>
@@ -85,8 +89,8 @@
         <a:cs typeface="+mn-cs"/>
       </a:defRPr>
     </a:lvl6pPr>
-    <a:lvl7pPr marL="2743200" algn="l" defTabSz="457200" rtl="0" eaLnBrk="1" latinLnBrk="0" hangingPunct="1">
-      <a:defRPr sz="1800" kern="1200">
+    <a:lvl7pPr defTabSz="457200" eaLnBrk="1" hangingPunct="1" latinLnBrk="0" lvl="6" marL="2743200" rtl="0" algn="l">
+      <a:defRPr kern="1200" sz="1800">
         <a:solidFill>
           <a:schemeClr val="tx1"/>
         </a:solidFill>
@@ -95,8 +99,8 @@
         <a:cs typeface="+mn-cs"/>
       </a:defRPr>
     </a:lvl7pPr>
-    <a:lvl8pPr marL="3200400" algn="l" defTabSz="457200" rtl="0" eaLnBrk="1" latinLnBrk="0" hangingPunct="1">
-      <a:defRPr sz="1800" kern="1200">
+    <a:lvl8pPr defTabSz="457200" eaLnBrk="1" hangingPunct="1" latinLnBrk="0" lvl="7" marL="3200400" rtl="0" algn="l">
+      <a:defRPr kern="1200" sz="1800">
         <a:solidFill>
           <a:schemeClr val="tx1"/>
         </a:solidFill>
@@ -105,8 +109,8 @@
         <a:cs typeface="+mn-cs"/>
       </a:defRPr>
     </a:lvl8pPr>
-    <a:lvl9pPr marL="3657600" algn="l" defTabSz="457200" rtl="0" eaLnBrk="1" latinLnBrk="0" hangingPunct="1">
-      <a:defRPr sz="1800" kern="1200">
+    <a:lvl9pPr defTabSz="457200" eaLnBrk="1" hangingPunct="1" latinLnBrk="0" lvl="8" marL="3657600" rtl="0" algn="l">
+      <a:defRPr kern="1200" sz="1800">
         <a:solidFill>
           <a:schemeClr val="tx1"/>
         </a:solidFill>
@@ -119,8 +123,441 @@
 </p:presentation>
 </file>
 
-<file path=ppt/revisionInfo.xml><?xml version="1.0" encoding="utf-8"?>
-<p1510:revInfo xmlns:a="http://schemas.openxmlformats.org/drawingml/2006/main" xmlns:r="http://schemas.openxmlformats.org/officeDocument/2006/relationships" xmlns:p1510="http://schemas.microsoft.com/office/powerpoint/2015/10/main"/>
+<file path=ppt/presProps1.xml><?xml version="1.0" encoding="utf-8"?>
+<p:presentationPr xmlns:a="http://schemas.openxmlformats.org/drawingml/2006/main" xmlns:r="http://schemas.openxmlformats.org/officeDocument/2006/relationships" xmlns:mc="http://schemas.openxmlformats.org/markup-compatibility/2006" xmlns:mv="urn:schemas-microsoft-com:mac:vml" xmlns:p="http://schemas.openxmlformats.org/presentationml/2006/main" xmlns:c="http://schemas.openxmlformats.org/drawingml/2006/chart" xmlns:dgm="http://schemas.openxmlformats.org/drawingml/2006/diagram" xmlns:o="urn:schemas-microsoft-com:office:office" xmlns:v="urn:schemas-microsoft-com:vml" xmlns:pvml="urn:schemas-microsoft-com:office:powerpoint" xmlns:com="http://schemas.openxmlformats.org/drawingml/2006/compatibility" xmlns:p14="http://schemas.microsoft.com/office/powerpoint/2010/main" xmlns:p15="http://schemas.microsoft.com/office/powerpoint/2012/main"/>
+</file>
+
+<file path=ppt/notesMasters/notesMaster1.xml><?xml version="1.0" encoding="utf-8"?>
+<p:notesMaster xmlns:a="http://schemas.openxmlformats.org/drawingml/2006/main" xmlns:r="http://schemas.openxmlformats.org/officeDocument/2006/relationships" xmlns:p="http://schemas.openxmlformats.org/presentationml/2006/main">
+  <p:cSld>
+    <p:bg>
+      <p:bgRef idx="1001">
+        <a:schemeClr val="bg1"/>
+      </p:bgRef>
+    </p:bg>
+    <p:spTree>
+      <p:nvGrpSpPr>
+        <p:cNvPr id="1" name=""/>
+        <p:cNvGrpSpPr/>
+        <p:nvPr/>
+      </p:nvGrpSpPr>
+      <p:grpSpPr>
+        <a:xfrm>
+          <a:off x="0" y="0"/>
+          <a:ext cx="0" cy="0"/>
+          <a:chOff x="0" y="0"/>
+          <a:chExt cx="0" cy="0"/>
+        </a:xfrm>
+      </p:grpSpPr>
+      <p:sp>
+        <p:nvSpPr>
+          <p:cNvPr id="2" name="Espaço Reservado para Cabeçalho 1"/>
+          <p:cNvSpPr>
+            <a:spLocks noGrp="1"/>
+          </p:cNvSpPr>
+          <p:nvPr>
+            <p:ph type="hdr" sz="quarter"/>
+          </p:nvPr>
+        </p:nvSpPr>
+        <p:spPr>
+          <a:xfrm>
+            <a:off x="0" y="0"/>
+            <a:ext cx="2971800" cy="458788"/>
+          </a:xfrm>
+          <a:prstGeom prst="rect">
+            <a:avLst/>
+          </a:prstGeom>
+        </p:spPr>
+        <p:txBody>
+          <a:bodyPr vert="horz" lIns="91440" tIns="45720" rIns="91440" bIns="45720" rtlCol="0"/>
+          <a:lstStyle>
+            <a:lvl1pPr algn="l">
+              <a:defRPr sz="1200"/>
+            </a:lvl1pPr>
+          </a:lstStyle>
+          <a:p>
+            <a:endParaRPr lang="pt-BR"/>
+          </a:p>
+        </p:txBody>
+      </p:sp>
+      <p:sp>
+        <p:nvSpPr>
+          <p:cNvPr id="3" name="Espaço Reservado para Data 2"/>
+          <p:cNvSpPr>
+            <a:spLocks noGrp="1"/>
+          </p:cNvSpPr>
+          <p:nvPr>
+            <p:ph type="dt" idx="1"/>
+          </p:nvPr>
+        </p:nvSpPr>
+        <p:spPr>
+          <a:xfrm>
+            <a:off x="3884613" y="0"/>
+            <a:ext cx="2971800" cy="458788"/>
+          </a:xfrm>
+          <a:prstGeom prst="rect">
+            <a:avLst/>
+          </a:prstGeom>
+        </p:spPr>
+        <p:txBody>
+          <a:bodyPr vert="horz" lIns="91440" tIns="45720" rIns="91440" bIns="45720" rtlCol="0"/>
+          <a:lstStyle>
+            <a:lvl1pPr algn="r">
+              <a:defRPr sz="1200"/>
+            </a:lvl1pPr>
+          </a:lstStyle>
+          <a:p>
+            <a:fld id="{821D7228-1D3A-4957-985D-C7294C9D3F6C}" type="datetimeFigureOut">
+              <a:rPr lang="pt-BR" smtClean="0"/>
+              <a:t>29/11/2017</a:t>
+            </a:fld>
+            <a:endParaRPr lang="pt-BR"/>
+          </a:p>
+        </p:txBody>
+      </p:sp>
+      <p:sp>
+        <p:nvSpPr>
+          <p:cNvPr id="4" name="Espaço Reservado para Imagem de Slide 3"/>
+          <p:cNvSpPr>
+            <a:spLocks noGrp="1" noRot="1" noChangeAspect="1"/>
+          </p:cNvSpPr>
+          <p:nvPr>
+            <p:ph type="sldImg" idx="2"/>
+          </p:nvPr>
+        </p:nvSpPr>
+        <p:spPr>
+          <a:xfrm>
+            <a:off x="685800" y="1143000"/>
+            <a:ext cx="5486400" cy="3086100"/>
+          </a:xfrm>
+          <a:prstGeom prst="rect">
+            <a:avLst/>
+          </a:prstGeom>
+          <a:noFill/>
+          <a:ln w="12700">
+            <a:solidFill>
+              <a:prstClr val="black"/>
+            </a:solidFill>
+          </a:ln>
+        </p:spPr>
+        <p:txBody>
+          <a:bodyPr vert="horz" lIns="91440" tIns="45720" rIns="91440" bIns="45720" rtlCol="0" anchor="ctr"/>
+          <a:lstStyle/>
+          <a:p>
+            <a:endParaRPr lang="pt-BR"/>
+          </a:p>
+        </p:txBody>
+      </p:sp>
+      <p:sp>
+        <p:nvSpPr>
+          <p:cNvPr id="5" name="Espaço Reservado para Anotações 4"/>
+          <p:cNvSpPr>
+            <a:spLocks noGrp="1"/>
+          </p:cNvSpPr>
+          <p:nvPr>
+            <p:ph type="body" sz="quarter" idx="3"/>
+          </p:nvPr>
+        </p:nvSpPr>
+        <p:spPr>
+          <a:xfrm>
+            <a:off x="685800" y="4400550"/>
+            <a:ext cx="5486400" cy="3600450"/>
+          </a:xfrm>
+          <a:prstGeom prst="rect">
+            <a:avLst/>
+          </a:prstGeom>
+        </p:spPr>
+        <p:txBody>
+          <a:bodyPr vert="horz" lIns="91440" tIns="45720" rIns="91440" bIns="45720" rtlCol="0"/>
+          <a:lstStyle/>
+          <a:p>
+            <a:pPr lvl="0"/>
+            <a:r>
+              <a:rPr lang="pt-BR"/>
+              <a:t>Editar estilos de texto Mestre</a:t>
+            </a:r>
+          </a:p>
+          <a:p>
+            <a:pPr lvl="1"/>
+            <a:r>
+              <a:rPr lang="pt-BR"/>
+              <a:t>Segundo nível</a:t>
+            </a:r>
+          </a:p>
+          <a:p>
+            <a:pPr lvl="2"/>
+            <a:r>
+              <a:rPr lang="pt-BR"/>
+              <a:t>Terceiro nível</a:t>
+            </a:r>
+          </a:p>
+          <a:p>
+            <a:pPr lvl="3"/>
+            <a:r>
+              <a:rPr lang="pt-BR"/>
+              <a:t>Quarto nível</a:t>
+            </a:r>
+          </a:p>
+          <a:p>
+            <a:pPr lvl="4"/>
+            <a:r>
+              <a:rPr lang="pt-BR"/>
+              <a:t>Quinto nível</a:t>
+            </a:r>
+          </a:p>
+        </p:txBody>
+      </p:sp>
+      <p:sp>
+        <p:nvSpPr>
+          <p:cNvPr id="6" name="Espaço Reservado para Rodapé 5"/>
+          <p:cNvSpPr>
+            <a:spLocks noGrp="1"/>
+          </p:cNvSpPr>
+          <p:nvPr>
+            <p:ph type="ftr" sz="quarter" idx="4"/>
+          </p:nvPr>
+        </p:nvSpPr>
+        <p:spPr>
+          <a:xfrm>
+            <a:off x="0" y="8685213"/>
+            <a:ext cx="2971800" cy="458787"/>
+          </a:xfrm>
+          <a:prstGeom prst="rect">
+            <a:avLst/>
+          </a:prstGeom>
+        </p:spPr>
+        <p:txBody>
+          <a:bodyPr vert="horz" lIns="91440" tIns="45720" rIns="91440" bIns="45720" rtlCol="0" anchor="b"/>
+          <a:lstStyle>
+            <a:lvl1pPr algn="l">
+              <a:defRPr sz="1200"/>
+            </a:lvl1pPr>
+          </a:lstStyle>
+          <a:p>
+            <a:endParaRPr lang="pt-BR"/>
+          </a:p>
+        </p:txBody>
+      </p:sp>
+      <p:sp>
+        <p:nvSpPr>
+          <p:cNvPr id="7" name="Espaço Reservado para Número de Slide 6"/>
+          <p:cNvSpPr>
+            <a:spLocks noGrp="1"/>
+          </p:cNvSpPr>
+          <p:nvPr>
+            <p:ph type="sldNum" sz="quarter" idx="5"/>
+          </p:nvPr>
+        </p:nvSpPr>
+        <p:spPr>
+          <a:xfrm>
+            <a:off x="3884613" y="8685213"/>
+            <a:ext cx="2971800" cy="458787"/>
+          </a:xfrm>
+          <a:prstGeom prst="rect">
+            <a:avLst/>
+          </a:prstGeom>
+        </p:spPr>
+        <p:txBody>
+          <a:bodyPr vert="horz" lIns="91440" tIns="45720" rIns="91440" bIns="45720" rtlCol="0" anchor="b"/>
+          <a:lstStyle>
+            <a:lvl1pPr algn="r">
+              <a:defRPr sz="1200"/>
+            </a:lvl1pPr>
+          </a:lstStyle>
+          <a:p>
+            <a:fld id="{D04402ED-9804-43B1-90E4-20EC3D6BF7B7}" type="slidenum">
+              <a:rPr lang="pt-BR" smtClean="0"/>
+              <a:t>‹nº›</a:t>
+            </a:fld>
+            <a:endParaRPr lang="pt-BR"/>
+          </a:p>
+        </p:txBody>
+      </p:sp>
+    </p:spTree>
+    <p:extLst>
+      <p:ext uri="{BB962C8B-B14F-4D97-AF65-F5344CB8AC3E}">
+        <p14:creationId xmlns:p14="http://schemas.microsoft.com/office/powerpoint/2010/main" val="182793693"/>
+      </p:ext>
+    </p:extLst>
+  </p:cSld>
+  <p:clrMap bg1="lt1" tx1="dk1" bg2="lt2" tx2="dk2" accent1="accent1" accent2="accent2" accent3="accent3" accent4="accent4" accent5="accent5" accent6="accent6" hlink="hlink" folHlink="folHlink"/>
+  <p:notesStyle>
+    <a:lvl1pPr marL="0" algn="l" defTabSz="914400" rtl="0" eaLnBrk="1" latinLnBrk="0" hangingPunct="1">
+      <a:defRPr sz="1200" kern="1200">
+        <a:solidFill>
+          <a:schemeClr val="tx1"/>
+        </a:solidFill>
+        <a:latin typeface="+mn-lt"/>
+        <a:ea typeface="+mn-ea"/>
+        <a:cs typeface="+mn-cs"/>
+      </a:defRPr>
+    </a:lvl1pPr>
+    <a:lvl2pPr marL="457200" algn="l" defTabSz="914400" rtl="0" eaLnBrk="1" latinLnBrk="0" hangingPunct="1">
+      <a:defRPr sz="1200" kern="1200">
+        <a:solidFill>
+          <a:schemeClr val="tx1"/>
+        </a:solidFill>
+        <a:latin typeface="+mn-lt"/>
+        <a:ea typeface="+mn-ea"/>
+        <a:cs typeface="+mn-cs"/>
+      </a:defRPr>
+    </a:lvl2pPr>
+    <a:lvl3pPr marL="914400" algn="l" defTabSz="914400" rtl="0" eaLnBrk="1" latinLnBrk="0" hangingPunct="1">
+      <a:defRPr sz="1200" kern="1200">
+        <a:solidFill>
+          <a:schemeClr val="tx1"/>
+        </a:solidFill>
+        <a:latin typeface="+mn-lt"/>
+        <a:ea typeface="+mn-ea"/>
+        <a:cs typeface="+mn-cs"/>
+      </a:defRPr>
+    </a:lvl3pPr>
+    <a:lvl4pPr marL="1371600" algn="l" defTabSz="914400" rtl="0" eaLnBrk="1" latinLnBrk="0" hangingPunct="1">
+      <a:defRPr sz="1200" kern="1200">
+        <a:solidFill>
+          <a:schemeClr val="tx1"/>
+        </a:solidFill>
+        <a:latin typeface="+mn-lt"/>
+        <a:ea typeface="+mn-ea"/>
+        <a:cs typeface="+mn-cs"/>
+      </a:defRPr>
+    </a:lvl4pPr>
+    <a:lvl5pPr marL="1828800" algn="l" defTabSz="914400" rtl="0" eaLnBrk="1" latinLnBrk="0" hangingPunct="1">
+      <a:defRPr sz="1200" kern="1200">
+        <a:solidFill>
+          <a:schemeClr val="tx1"/>
+        </a:solidFill>
+        <a:latin typeface="+mn-lt"/>
+        <a:ea typeface="+mn-ea"/>
+        <a:cs typeface="+mn-cs"/>
+      </a:defRPr>
+    </a:lvl5pPr>
+    <a:lvl6pPr marL="2286000" algn="l" defTabSz="914400" rtl="0" eaLnBrk="1" latinLnBrk="0" hangingPunct="1">
+      <a:defRPr sz="1200" kern="1200">
+        <a:solidFill>
+          <a:schemeClr val="tx1"/>
+        </a:solidFill>
+        <a:latin typeface="+mn-lt"/>
+        <a:ea typeface="+mn-ea"/>
+        <a:cs typeface="+mn-cs"/>
+      </a:defRPr>
+    </a:lvl6pPr>
+    <a:lvl7pPr marL="2743200" algn="l" defTabSz="914400" rtl="0" eaLnBrk="1" latinLnBrk="0" hangingPunct="1">
+      <a:defRPr sz="1200" kern="1200">
+        <a:solidFill>
+          <a:schemeClr val="tx1"/>
+        </a:solidFill>
+        <a:latin typeface="+mn-lt"/>
+        <a:ea typeface="+mn-ea"/>
+        <a:cs typeface="+mn-cs"/>
+      </a:defRPr>
+    </a:lvl7pPr>
+    <a:lvl8pPr marL="3200400" algn="l" defTabSz="914400" rtl="0" eaLnBrk="1" latinLnBrk="0" hangingPunct="1">
+      <a:defRPr sz="1200" kern="1200">
+        <a:solidFill>
+          <a:schemeClr val="tx1"/>
+        </a:solidFill>
+        <a:latin typeface="+mn-lt"/>
+        <a:ea typeface="+mn-ea"/>
+        <a:cs typeface="+mn-cs"/>
+      </a:defRPr>
+    </a:lvl8pPr>
+    <a:lvl9pPr marL="3657600" algn="l" defTabSz="914400" rtl="0" eaLnBrk="1" latinLnBrk="0" hangingPunct="1">
+      <a:defRPr sz="1200" kern="1200">
+        <a:solidFill>
+          <a:schemeClr val="tx1"/>
+        </a:solidFill>
+        <a:latin typeface="+mn-lt"/>
+        <a:ea typeface="+mn-ea"/>
+        <a:cs typeface="+mn-cs"/>
+      </a:defRPr>
+    </a:lvl9pPr>
+  </p:notesStyle>
+</p:notesMaster>
+</file>
+
+<file path=ppt/notesSlides/notesSlide1.xml><?xml version="1.0" encoding="utf-8"?>
+<p:notes xmlns:a="http://schemas.openxmlformats.org/drawingml/2006/main" xmlns:r="http://schemas.openxmlformats.org/officeDocument/2006/relationships" xmlns:p="http://schemas.openxmlformats.org/presentationml/2006/main">
+  <p:cSld>
+    <p:spTree>
+      <p:nvGrpSpPr>
+        <p:cNvPr id="1" name=""/>
+        <p:cNvGrpSpPr/>
+        <p:nvPr/>
+      </p:nvGrpSpPr>
+      <p:grpSpPr>
+        <a:xfrm>
+          <a:off x="0" y="0"/>
+          <a:ext cx="0" cy="0"/>
+          <a:chOff x="0" y="0"/>
+          <a:chExt cx="0" cy="0"/>
+        </a:xfrm>
+      </p:grpSpPr>
+      <p:sp>
+        <p:nvSpPr>
+          <p:cNvPr id="2" name="Espaço Reservado para Imagem de Slide 1"/>
+          <p:cNvSpPr>
+            <a:spLocks noGrp="1" noRot="1" noChangeAspect="1"/>
+          </p:cNvSpPr>
+          <p:nvPr>
+            <p:ph type="sldImg"/>
+          </p:nvPr>
+        </p:nvSpPr>
+        <p:spPr/>
+      </p:sp>
+      <p:sp>
+        <p:nvSpPr>
+          <p:cNvPr id="3" name="Espaço Reservado para Anotações 2"/>
+          <p:cNvSpPr>
+            <a:spLocks noGrp="1"/>
+          </p:cNvSpPr>
+          <p:nvPr>
+            <p:ph type="body" idx="1"/>
+          </p:nvPr>
+        </p:nvSpPr>
+        <p:spPr/>
+        <p:txBody>
+          <a:bodyPr/>
+          <a:lstStyle/>
+          <a:p>
+            <a:endParaRPr lang="pt-BR" dirty="0"/>
+          </a:p>
+        </p:txBody>
+      </p:sp>
+      <p:sp>
+        <p:nvSpPr>
+          <p:cNvPr id="4" name="Espaço Reservado para Número de Slide 3"/>
+          <p:cNvSpPr>
+            <a:spLocks noGrp="1"/>
+          </p:cNvSpPr>
+          <p:nvPr>
+            <p:ph type="sldNum" sz="quarter" idx="10"/>
+          </p:nvPr>
+        </p:nvSpPr>
+        <p:spPr/>
+        <p:txBody>
+          <a:bodyPr/>
+          <a:lstStyle/>
+          <a:p>
+            <a:fld id="{D04402ED-9804-43B1-90E4-20EC3D6BF7B7}" type="slidenum">
+              <a:rPr lang="pt-BR" smtClean="0"/>
+              <a:t>1</a:t>
+            </a:fld>
+            <a:endParaRPr lang="pt-BR"/>
+          </a:p>
+        </p:txBody>
+      </p:sp>
+    </p:spTree>
+    <p:extLst>
+      <p:ext uri="{BB962C8B-B14F-4D97-AF65-F5344CB8AC3E}">
+        <p14:creationId xmlns:p14="http://schemas.microsoft.com/office/powerpoint/2010/main" val="1357567892"/>
+      </p:ext>
+    </p:extLst>
+  </p:cSld>
+  <p:clrMapOvr>
+    <a:masterClrMapping/>
+  </p:clrMapOvr>
+</p:notes>
 </file>
 
 <file path=ppt/slideLayouts/slideLayout1.xml><?xml version="1.0" encoding="utf-8"?>
@@ -311,7 +748,7 @@
           <a:p>
             <a:fld id="{FCDCF652-00F3-41ED-B097-5F68F15894E1}" type="datetimeFigureOut">
               <a:rPr lang="pt-BR" smtClean="0"/>
-              <a:t>08/11/2017</a:t>
+              <a:t>29/11/2017</a:t>
             </a:fld>
             <a:endParaRPr lang="pt-BR"/>
           </a:p>
@@ -449,7 +886,7 @@
     </p:spTree>
     <p:extLst>
       <p:ext uri="{BB962C8B-B14F-4D97-AF65-F5344CB8AC3E}">
-        <p14:creationId xmlns:p14="http://schemas.microsoft.com/office/powerpoint/2010/main" val="4114024926"/>
+        <p14:creationId xmlns:p14="http://schemas.microsoft.com/office/powerpoint/2010/main" val="3100244395"/>
       </p:ext>
     </p:extLst>
   </p:cSld>
@@ -649,7 +1086,7 @@
           <a:p>
             <a:fld id="{FCDCF652-00F3-41ED-B097-5F68F15894E1}" type="datetimeFigureOut">
               <a:rPr lang="pt-BR" smtClean="0"/>
-              <a:t>08/11/2017</a:t>
+              <a:t>29/11/2017</a:t>
             </a:fld>
             <a:endParaRPr lang="pt-BR"/>
           </a:p>
@@ -787,7 +1224,7 @@
     </p:spTree>
     <p:extLst>
       <p:ext uri="{BB962C8B-B14F-4D97-AF65-F5344CB8AC3E}">
-        <p14:creationId xmlns:p14="http://schemas.microsoft.com/office/powerpoint/2010/main" val="1674302597"/>
+        <p14:creationId xmlns:p14="http://schemas.microsoft.com/office/powerpoint/2010/main" val="2169952503"/>
       </p:ext>
     </p:extLst>
   </p:cSld>
@@ -1050,7 +1487,7 @@
           <a:p>
             <a:fld id="{FCDCF652-00F3-41ED-B097-5F68F15894E1}" type="datetimeFigureOut">
               <a:rPr lang="pt-BR" smtClean="0"/>
-              <a:t>08/11/2017</a:t>
+              <a:t>29/11/2017</a:t>
             </a:fld>
             <a:endParaRPr lang="pt-BR"/>
           </a:p>
@@ -1264,7 +1701,7 @@
     </p:spTree>
     <p:extLst>
       <p:ext uri="{BB962C8B-B14F-4D97-AF65-F5344CB8AC3E}">
-        <p14:creationId xmlns:p14="http://schemas.microsoft.com/office/powerpoint/2010/main" val="961293111"/>
+        <p14:creationId xmlns:p14="http://schemas.microsoft.com/office/powerpoint/2010/main" val="704737935"/>
       </p:ext>
     </p:extLst>
   </p:cSld>
@@ -1386,7 +1823,7 @@
           <a:p>
             <a:fld id="{FCDCF652-00F3-41ED-B097-5F68F15894E1}" type="datetimeFigureOut">
               <a:rPr lang="pt-BR" smtClean="0"/>
-              <a:t>08/11/2017</a:t>
+              <a:t>29/11/2017</a:t>
             </a:fld>
             <a:endParaRPr lang="pt-BR"/>
           </a:p>
@@ -1524,7 +1961,7 @@
     </p:spTree>
     <p:extLst>
       <p:ext uri="{BB962C8B-B14F-4D97-AF65-F5344CB8AC3E}">
-        <p14:creationId xmlns:p14="http://schemas.microsoft.com/office/powerpoint/2010/main" val="2034563152"/>
+        <p14:creationId xmlns:p14="http://schemas.microsoft.com/office/powerpoint/2010/main" val="99377977"/>
       </p:ext>
     </p:extLst>
   </p:cSld>
@@ -1706,7 +2143,7 @@
           <a:p>
             <a:fld id="{FCDCF652-00F3-41ED-B097-5F68F15894E1}" type="datetimeFigureOut">
               <a:rPr lang="pt-BR" smtClean="0"/>
-              <a:t>08/11/2017</a:t>
+              <a:t>29/11/2017</a:t>
             </a:fld>
             <a:endParaRPr lang="pt-BR"/>
           </a:p>
@@ -1920,7 +2357,7 @@
     </p:spTree>
     <p:extLst>
       <p:ext uri="{BB962C8B-B14F-4D97-AF65-F5344CB8AC3E}">
-        <p14:creationId xmlns:p14="http://schemas.microsoft.com/office/powerpoint/2010/main" val="3746274877"/>
+        <p14:creationId xmlns:p14="http://schemas.microsoft.com/office/powerpoint/2010/main" val="1187639262"/>
       </p:ext>
     </p:extLst>
   </p:cSld>
@@ -2102,7 +2539,7 @@
           <a:p>
             <a:fld id="{FCDCF652-00F3-41ED-B097-5F68F15894E1}" type="datetimeFigureOut">
               <a:rPr lang="pt-BR" smtClean="0"/>
-              <a:t>08/11/2017</a:t>
+              <a:t>29/11/2017</a:t>
             </a:fld>
             <a:endParaRPr lang="pt-BR"/>
           </a:p>
@@ -2240,7 +2677,7 @@
     </p:spTree>
     <p:extLst>
       <p:ext uri="{BB962C8B-B14F-4D97-AF65-F5344CB8AC3E}">
-        <p14:creationId xmlns:p14="http://schemas.microsoft.com/office/powerpoint/2010/main" val="2819253911"/>
+        <p14:creationId xmlns:p14="http://schemas.microsoft.com/office/powerpoint/2010/main" val="1464342515"/>
       </p:ext>
     </p:extLst>
   </p:cSld>
@@ -2359,7 +2796,7 @@
           <a:p>
             <a:fld id="{FCDCF652-00F3-41ED-B097-5F68F15894E1}" type="datetimeFigureOut">
               <a:rPr lang="pt-BR" smtClean="0"/>
-              <a:t>08/11/2017</a:t>
+              <a:t>29/11/2017</a:t>
             </a:fld>
             <a:endParaRPr lang="pt-BR"/>
           </a:p>
@@ -2492,7 +2929,7 @@
     </p:spTree>
     <p:extLst>
       <p:ext uri="{BB962C8B-B14F-4D97-AF65-F5344CB8AC3E}">
-        <p14:creationId xmlns:p14="http://schemas.microsoft.com/office/powerpoint/2010/main" val="2385289405"/>
+        <p14:creationId xmlns:p14="http://schemas.microsoft.com/office/powerpoint/2010/main" val="1314515494"/>
       </p:ext>
     </p:extLst>
   </p:cSld>
@@ -2621,7 +3058,7 @@
           <a:p>
             <a:fld id="{FCDCF652-00F3-41ED-B097-5F68F15894E1}" type="datetimeFigureOut">
               <a:rPr lang="pt-BR" smtClean="0"/>
-              <a:t>08/11/2017</a:t>
+              <a:t>29/11/2017</a:t>
             </a:fld>
             <a:endParaRPr lang="pt-BR"/>
           </a:p>
@@ -2754,7 +3191,7 @@
     </p:spTree>
     <p:extLst>
       <p:ext uri="{BB962C8B-B14F-4D97-AF65-F5344CB8AC3E}">
-        <p14:creationId xmlns:p14="http://schemas.microsoft.com/office/powerpoint/2010/main" val="3250324300"/>
+        <p14:creationId xmlns:p14="http://schemas.microsoft.com/office/powerpoint/2010/main" val="698016084"/>
       </p:ext>
     </p:extLst>
   </p:cSld>
@@ -2883,7 +3320,7 @@
           <a:p>
             <a:fld id="{FCDCF652-00F3-41ED-B097-5F68F15894E1}" type="datetimeFigureOut">
               <a:rPr lang="pt-BR" smtClean="0"/>
-              <a:t>08/11/2017</a:t>
+              <a:t>29/11/2017</a:t>
             </a:fld>
             <a:endParaRPr lang="pt-BR"/>
           </a:p>
@@ -3016,7 +3453,7 @@
     </p:spTree>
     <p:extLst>
       <p:ext uri="{BB962C8B-B14F-4D97-AF65-F5344CB8AC3E}">
-        <p14:creationId xmlns:p14="http://schemas.microsoft.com/office/powerpoint/2010/main" val="3018042175"/>
+        <p14:creationId xmlns:p14="http://schemas.microsoft.com/office/powerpoint/2010/main" val="278495759"/>
       </p:ext>
     </p:extLst>
   </p:cSld>
@@ -3212,7 +3649,7 @@
           <a:p>
             <a:fld id="{FCDCF652-00F3-41ED-B097-5F68F15894E1}" type="datetimeFigureOut">
               <a:rPr lang="pt-BR" smtClean="0"/>
-              <a:t>08/11/2017</a:t>
+              <a:t>29/11/2017</a:t>
             </a:fld>
             <a:endParaRPr lang="pt-BR"/>
           </a:p>
@@ -3350,7 +3787,7 @@
     </p:spTree>
     <p:extLst>
       <p:ext uri="{BB962C8B-B14F-4D97-AF65-F5344CB8AC3E}">
-        <p14:creationId xmlns:p14="http://schemas.microsoft.com/office/powerpoint/2010/main" val="2781317943"/>
+        <p14:creationId xmlns:p14="http://schemas.microsoft.com/office/powerpoint/2010/main" val="3807837665"/>
       </p:ext>
     </p:extLst>
   </p:cSld>
@@ -3535,7 +3972,7 @@
           <a:p>
             <a:fld id="{FCDCF652-00F3-41ED-B097-5F68F15894E1}" type="datetimeFigureOut">
               <a:rPr lang="pt-BR" smtClean="0"/>
-              <a:t>08/11/2017</a:t>
+              <a:t>29/11/2017</a:t>
             </a:fld>
             <a:endParaRPr lang="pt-BR"/>
           </a:p>
@@ -3673,7 +4110,7 @@
     </p:spTree>
     <p:extLst>
       <p:ext uri="{BB962C8B-B14F-4D97-AF65-F5344CB8AC3E}">
-        <p14:creationId xmlns:p14="http://schemas.microsoft.com/office/powerpoint/2010/main" val="87641326"/>
+        <p14:creationId xmlns:p14="http://schemas.microsoft.com/office/powerpoint/2010/main" val="1544286904"/>
       </p:ext>
     </p:extLst>
   </p:cSld>
@@ -3992,7 +4429,7 @@
           <a:p>
             <a:fld id="{FCDCF652-00F3-41ED-B097-5F68F15894E1}" type="datetimeFigureOut">
               <a:rPr lang="pt-BR" smtClean="0"/>
-              <a:t>08/11/2017</a:t>
+              <a:t>29/11/2017</a:t>
             </a:fld>
             <a:endParaRPr lang="pt-BR"/>
           </a:p>
@@ -4130,7 +4567,7 @@
     </p:spTree>
     <p:extLst>
       <p:ext uri="{BB962C8B-B14F-4D97-AF65-F5344CB8AC3E}">
-        <p14:creationId xmlns:p14="http://schemas.microsoft.com/office/powerpoint/2010/main" val="2120066276"/>
+        <p14:creationId xmlns:p14="http://schemas.microsoft.com/office/powerpoint/2010/main" val="794113568"/>
       </p:ext>
     </p:extLst>
   </p:cSld>
@@ -4197,7 +4634,7 @@
           <a:p>
             <a:fld id="{FCDCF652-00F3-41ED-B097-5F68F15894E1}" type="datetimeFigureOut">
               <a:rPr lang="pt-BR" smtClean="0"/>
-              <a:t>08/11/2017</a:t>
+              <a:t>29/11/2017</a:t>
             </a:fld>
             <a:endParaRPr lang="pt-BR"/>
           </a:p>
@@ -4330,7 +4767,7 @@
     </p:spTree>
     <p:extLst>
       <p:ext uri="{BB962C8B-B14F-4D97-AF65-F5344CB8AC3E}">
-        <p14:creationId xmlns:p14="http://schemas.microsoft.com/office/powerpoint/2010/main" val="2141577978"/>
+        <p14:creationId xmlns:p14="http://schemas.microsoft.com/office/powerpoint/2010/main" val="3044413380"/>
       </p:ext>
     </p:extLst>
   </p:cSld>
@@ -4374,7 +4811,7 @@
           <a:p>
             <a:fld id="{FCDCF652-00F3-41ED-B097-5F68F15894E1}" type="datetimeFigureOut">
               <a:rPr lang="pt-BR" smtClean="0"/>
-              <a:t>08/11/2017</a:t>
+              <a:t>29/11/2017</a:t>
             </a:fld>
             <a:endParaRPr lang="pt-BR"/>
           </a:p>
@@ -4507,7 +4944,7 @@
     </p:spTree>
     <p:extLst>
       <p:ext uri="{BB962C8B-B14F-4D97-AF65-F5344CB8AC3E}">
-        <p14:creationId xmlns:p14="http://schemas.microsoft.com/office/powerpoint/2010/main" val="4189660766"/>
+        <p14:creationId xmlns:p14="http://schemas.microsoft.com/office/powerpoint/2010/main" val="583312855"/>
       </p:ext>
     </p:extLst>
   </p:cSld>
@@ -4707,7 +5144,7 @@
           <a:p>
             <a:fld id="{FCDCF652-00F3-41ED-B097-5F68F15894E1}" type="datetimeFigureOut">
               <a:rPr lang="pt-BR" smtClean="0"/>
-              <a:t>08/11/2017</a:t>
+              <a:t>29/11/2017</a:t>
             </a:fld>
             <a:endParaRPr lang="pt-BR"/>
           </a:p>
@@ -4840,7 +5277,7 @@
     </p:spTree>
     <p:extLst>
       <p:ext uri="{BB962C8B-B14F-4D97-AF65-F5344CB8AC3E}">
-        <p14:creationId xmlns:p14="http://schemas.microsoft.com/office/powerpoint/2010/main" val="1540017044"/>
+        <p14:creationId xmlns:p14="http://schemas.microsoft.com/office/powerpoint/2010/main" val="1868586469"/>
       </p:ext>
     </p:extLst>
   </p:cSld>
@@ -5052,7 +5489,7 @@
           <a:p>
             <a:fld id="{FCDCF652-00F3-41ED-B097-5F68F15894E1}" type="datetimeFigureOut">
               <a:rPr lang="pt-BR" smtClean="0"/>
-              <a:t>08/11/2017</a:t>
+              <a:t>29/11/2017</a:t>
             </a:fld>
             <a:endParaRPr lang="pt-BR"/>
           </a:p>
@@ -5190,7 +5627,7 @@
     </p:spTree>
     <p:extLst>
       <p:ext uri="{BB962C8B-B14F-4D97-AF65-F5344CB8AC3E}">
-        <p14:creationId xmlns:p14="http://schemas.microsoft.com/office/powerpoint/2010/main" val="2343161285"/>
+        <p14:creationId xmlns:p14="http://schemas.microsoft.com/office/powerpoint/2010/main" val="2302029602"/>
       </p:ext>
     </p:extLst>
   </p:cSld>
@@ -7169,7 +7606,7 @@
           <a:p>
             <a:fld id="{FCDCF652-00F3-41ED-B097-5F68F15894E1}" type="datetimeFigureOut">
               <a:rPr lang="pt-BR" smtClean="0"/>
-              <a:t>08/11/2017</a:t>
+              <a:t>29/11/2017</a:t>
             </a:fld>
             <a:endParaRPr lang="pt-BR"/>
           </a:p>
@@ -7254,28 +7691,28 @@
     </p:spTree>
     <p:extLst>
       <p:ext uri="{BB962C8B-B14F-4D97-AF65-F5344CB8AC3E}">
-        <p14:creationId xmlns:p14="http://schemas.microsoft.com/office/powerpoint/2010/main" val="1495692083"/>
+        <p14:creationId xmlns:p14="http://schemas.microsoft.com/office/powerpoint/2010/main" val="3746939826"/>
       </p:ext>
     </p:extLst>
   </p:cSld>
   <p:clrMap bg1="lt1" tx1="dk1" bg2="lt2" tx2="dk2" accent1="accent1" accent2="accent2" accent3="accent3" accent4="accent4" accent5="accent5" accent6="accent6" hlink="hlink" folHlink="folHlink"/>
   <p:sldLayoutIdLst>
-    <p:sldLayoutId id="2147483678" r:id="rId1"/>
-    <p:sldLayoutId id="2147483679" r:id="rId2"/>
-    <p:sldLayoutId id="2147483680" r:id="rId3"/>
-    <p:sldLayoutId id="2147483681" r:id="rId4"/>
-    <p:sldLayoutId id="2147483682" r:id="rId5"/>
-    <p:sldLayoutId id="2147483683" r:id="rId6"/>
-    <p:sldLayoutId id="2147483684" r:id="rId7"/>
-    <p:sldLayoutId id="2147483685" r:id="rId8"/>
-    <p:sldLayoutId id="2147483686" r:id="rId9"/>
-    <p:sldLayoutId id="2147483687" r:id="rId10"/>
-    <p:sldLayoutId id="2147483688" r:id="rId11"/>
-    <p:sldLayoutId id="2147483689" r:id="rId12"/>
-    <p:sldLayoutId id="2147483690" r:id="rId13"/>
-    <p:sldLayoutId id="2147483691" r:id="rId14"/>
-    <p:sldLayoutId id="2147483692" r:id="rId15"/>
-    <p:sldLayoutId id="2147483693" r:id="rId16"/>
+    <p:sldLayoutId id="2147483859" r:id="rId1"/>
+    <p:sldLayoutId id="2147483860" r:id="rId2"/>
+    <p:sldLayoutId id="2147483861" r:id="rId3"/>
+    <p:sldLayoutId id="2147483862" r:id="rId4"/>
+    <p:sldLayoutId id="2147483863" r:id="rId5"/>
+    <p:sldLayoutId id="2147483864" r:id="rId6"/>
+    <p:sldLayoutId id="2147483865" r:id="rId7"/>
+    <p:sldLayoutId id="2147483866" r:id="rId8"/>
+    <p:sldLayoutId id="2147483867" r:id="rId9"/>
+    <p:sldLayoutId id="2147483868" r:id="rId10"/>
+    <p:sldLayoutId id="2147483869" r:id="rId11"/>
+    <p:sldLayoutId id="2147483870" r:id="rId12"/>
+    <p:sldLayoutId id="2147483871" r:id="rId13"/>
+    <p:sldLayoutId id="2147483872" r:id="rId14"/>
+    <p:sldLayoutId id="2147483873" r:id="rId15"/>
+    <p:sldLayoutId id="2147483874" r:id="rId16"/>
   </p:sldLayoutIdLst>
   <p:txStyles>
     <p:titleStyle>
@@ -7689,45 +8126,169 @@
       </p:grpSpPr>
       <p:sp>
         <p:nvSpPr>
-          <p:cNvPr id="2" name="Título 1">
+          <p:cNvPr id="7" name="CaixaDeTexto 6">
             <a:extLst>
               <a:ext uri="{FF2B5EF4-FFF2-40B4-BE49-F238E27FC236}">
-                <a16:creationId xmlns:a16="http://schemas.microsoft.com/office/drawing/2014/main" id="{B45FFC15-4D62-4950-970D-4EC9D961061B}"/>
+                <a16:creationId xmlns:a16="http://schemas.microsoft.com/office/drawing/2014/main" id="{287991EE-1E5D-4803-AE88-75453874267F}"/>
               </a:ext>
             </a:extLst>
           </p:cNvPr>
-          <p:cNvSpPr>
-            <a:spLocks noGrp="1"/>
-          </p:cNvSpPr>
-          <p:nvPr>
-            <p:ph type="ctrTitle"/>
-          </p:nvPr>
+          <p:cNvSpPr txBox="1"/>
+          <p:nvPr/>
         </p:nvSpPr>
         <p:spPr>
           <a:xfrm>
-            <a:off x="1934816" y="1122362"/>
-            <a:ext cx="8733183" cy="3646585"/>
+            <a:off x="940905" y="0"/>
+            <a:ext cx="10853531" cy="6940361"/>
           </a:xfrm>
+          <a:prstGeom prst="rect">
+            <a:avLst/>
+          </a:prstGeom>
+          <a:noFill/>
         </p:spPr>
         <p:txBody>
-          <a:bodyPr>
-            <a:normAutofit/>
+          <a:bodyPr wrap="square" rtlCol="0">
+            <a:spAutoFit/>
           </a:bodyPr>
           <a:lstStyle/>
           <a:p>
             <a:pPr algn="ctr"/>
-            <a:r>
-              <a:rPr lang="pt-BR" b="1" dirty="0">
-                <a:solidFill>
-                  <a:schemeClr val="tx1"/>
-                </a:solidFill>
+            <a:endParaRPr lang="pt-BR" sz="2000" b="1" dirty="0">
+              <a:cs typeface="Arial" pitchFamily="34" charset="0"/>
+            </a:endParaRPr>
+          </a:p>
+          <a:p>
+            <a:pPr algn="ctr"/>
+            <a:r>
+              <a:rPr lang="pt-BR" sz="2500" b="1" dirty="0">
+                <a:cs typeface="Arial" pitchFamily="34" charset="0"/>
+              </a:rPr>
+              <a:t>FACULDADE DE TECNOLOGIA DE OURINHOS – FATEC</a:t>
+            </a:r>
+            <a:br>
+              <a:rPr lang="pt-BR" sz="2500" b="1" dirty="0">
+                <a:cs typeface="Arial" pitchFamily="34" charset="0"/>
+              </a:rPr>
+            </a:br>
+            <a:r>
+              <a:rPr lang="pt-BR" sz="2500" b="1" dirty="0">
+                <a:cs typeface="Arial" pitchFamily="34" charset="0"/>
+              </a:rPr>
+              <a:t>ANÁLISE E DESENVOLVIMENTO DE SISTEMAS (ADS)</a:t>
+            </a:r>
+          </a:p>
+          <a:p>
+            <a:endParaRPr lang="pt-BR" sz="2500" b="1" dirty="0">
+              <a:cs typeface="Arial" pitchFamily="34" charset="0"/>
+            </a:endParaRPr>
+          </a:p>
+          <a:p>
+            <a:pPr algn="ctr"/>
+            <a:endParaRPr lang="pt-BR" sz="2500" b="1" dirty="0">
+              <a:cs typeface="Arial" pitchFamily="34" charset="0"/>
+            </a:endParaRPr>
+          </a:p>
+          <a:p>
+            <a:pPr algn="ctr"/>
+            <a:endParaRPr lang="pt-BR" sz="2500" b="1" dirty="0">
+              <a:cs typeface="Arial" pitchFamily="34" charset="0"/>
+            </a:endParaRPr>
+          </a:p>
+          <a:p>
+            <a:pPr algn="ctr"/>
+            <a:r>
+              <a:rPr lang="pt-BR" sz="2500" b="1" dirty="0">
+                <a:cs typeface="Arial" pitchFamily="34" charset="0"/>
+              </a:rPr>
+              <a:t>PROJETO </a:t>
+            </a:r>
+          </a:p>
+          <a:p>
+            <a:pPr algn="ctr"/>
+            <a:r>
+              <a:rPr lang="pt-BR" sz="2500" b="1" dirty="0">
+                <a:cs typeface="Arial" pitchFamily="34" charset="0"/>
               </a:rPr>
               <a:t>APLICATIVO PARA GERENCIAMENTO DE LISTA DE COMPRAS</a:t>
             </a:r>
-            <a:br>
-              <a:rPr lang="pt-BR" dirty="0"/>
-            </a:br>
-            <a:endParaRPr lang="pt-BR" dirty="0"/>
+          </a:p>
+          <a:p>
+            <a:endParaRPr lang="pt-BR" sz="2500" b="1" dirty="0">
+              <a:cs typeface="Arial" pitchFamily="34" charset="0"/>
+            </a:endParaRPr>
+          </a:p>
+          <a:p>
+            <a:endParaRPr lang="pt-BR" sz="2500" b="1" dirty="0">
+              <a:cs typeface="Arial" pitchFamily="34" charset="0"/>
+            </a:endParaRPr>
+          </a:p>
+          <a:p>
+            <a:endParaRPr lang="pt-BR" sz="2500" b="1" dirty="0">
+              <a:cs typeface="Arial" pitchFamily="34" charset="0"/>
+            </a:endParaRPr>
+          </a:p>
+          <a:p>
+            <a:pPr algn="ctr"/>
+            <a:r>
+              <a:rPr lang="pt-BR" sz="2500" b="1" dirty="0">
+                <a:cs typeface="Arial" pitchFamily="34" charset="0"/>
+              </a:rPr>
+              <a:t>			</a:t>
+            </a:r>
+            <a:r>
+              <a:rPr lang="pt-BR" sz="2500" b="1" dirty="0"/>
+              <a:t>  </a:t>
+            </a:r>
+            <a:endParaRPr lang="pt-BR" sz="2500" dirty="0"/>
+          </a:p>
+          <a:p>
+            <a:pPr algn="ctr"/>
+            <a:r>
+              <a:rPr lang="pt-BR" sz="2500" b="1" dirty="0"/>
+              <a:t>CAROLINA RONCHI GIMENEZ</a:t>
+            </a:r>
+            <a:endParaRPr lang="pt-BR" sz="2500" dirty="0"/>
+          </a:p>
+          <a:p>
+            <a:pPr algn="ctr"/>
+            <a:r>
+              <a:rPr lang="pt-BR" sz="2500" b="1" dirty="0"/>
+              <a:t>DIOGO GABRIEL BARBOSA</a:t>
+            </a:r>
+            <a:endParaRPr lang="pt-BR" sz="2500" dirty="0"/>
+          </a:p>
+          <a:p>
+            <a:pPr algn="ctr"/>
+            <a:r>
+              <a:rPr lang="pt-BR" sz="2500" b="1" dirty="0"/>
+              <a:t>EDUARDO VINICIUS VITORINO</a:t>
+            </a:r>
+            <a:endParaRPr lang="pt-BR" sz="2500" dirty="0"/>
+          </a:p>
+          <a:p>
+            <a:pPr algn="ctr"/>
+            <a:r>
+              <a:rPr lang="pt-BR" sz="2500" b="1" dirty="0"/>
+              <a:t>EVELYN PEREIRA SANCHES</a:t>
+            </a:r>
+            <a:endParaRPr lang="pt-BR" sz="2500" dirty="0"/>
+          </a:p>
+          <a:p>
+            <a:pPr algn="ctr"/>
+            <a:r>
+              <a:rPr lang="pt-BR" sz="2500" b="1" dirty="0"/>
+              <a:t>FELIPE BERTANHA</a:t>
+            </a:r>
+            <a:endParaRPr lang="pt-BR" sz="2500" dirty="0"/>
+          </a:p>
+          <a:p>
+            <a:pPr algn="just"/>
+            <a:r>
+              <a:rPr lang="pt-BR" sz="2500" b="1" dirty="0">
+                <a:cs typeface="Arial" pitchFamily="34" charset="0"/>
+              </a:rPr>
+              <a:t>			  </a:t>
+            </a:r>
           </a:p>
         </p:txBody>
       </p:sp>
@@ -7791,12 +8352,12 @@
               <a:buNone/>
             </a:pPr>
             <a:r>
-              <a:rPr lang="pt-BR" sz="3200" b="1" dirty="0">
+              <a:rPr lang="pt-BR" sz="4000" b="1" dirty="0">
                 <a:solidFill>
                   <a:schemeClr val="tx1"/>
                 </a:solidFill>
               </a:rPr>
-              <a:t>CADASTRAR CATEGORIAS DE PRODUTO </a:t>
+              <a:t>    CADASTRAR CATEGORIAS DE PRODUTO </a:t>
             </a:r>
           </a:p>
           <a:p>
@@ -7894,12 +8455,14 @@
           </a:xfrm>
         </p:spPr>
         <p:txBody>
-          <a:bodyPr/>
+          <a:bodyPr>
+            <a:normAutofit/>
+          </a:bodyPr>
           <a:lstStyle/>
           <a:p>
             <a:pPr algn="ctr"/>
             <a:r>
-              <a:rPr lang="pt-BR" b="1" dirty="0">
+              <a:rPr lang="pt-BR" sz="4000" b="1" dirty="0">
                 <a:solidFill>
                   <a:schemeClr val="tx1"/>
                 </a:solidFill>
@@ -7939,8 +8502,8 @@
         </p:blipFill>
         <p:spPr>
           <a:xfrm>
-            <a:off x="198783" y="1232451"/>
-            <a:ext cx="11741427" cy="5685183"/>
+            <a:off x="198782" y="1192695"/>
+            <a:ext cx="11993217" cy="5665305"/>
           </a:xfrm>
           <a:prstGeom prst="rect">
             <a:avLst/>
@@ -8051,8 +8614,8 @@
         </p:blipFill>
         <p:spPr>
           <a:xfrm>
-            <a:off x="198783" y="1258956"/>
-            <a:ext cx="11728173" cy="5599044"/>
+            <a:off x="198783" y="1205948"/>
+            <a:ext cx="11993217" cy="5652052"/>
           </a:xfrm>
           <a:prstGeom prst="rect">
             <a:avLst/>
@@ -8112,12 +8675,14 @@
           </a:xfrm>
         </p:spPr>
         <p:txBody>
-          <a:bodyPr/>
+          <a:bodyPr>
+            <a:normAutofit/>
+          </a:bodyPr>
           <a:lstStyle/>
           <a:p>
             <a:pPr algn="ctr"/>
             <a:r>
-              <a:rPr lang="pt-BR" b="1" dirty="0">
+              <a:rPr lang="pt-BR" sz="4000" b="1" dirty="0">
                 <a:solidFill>
                   <a:schemeClr val="tx1"/>
                 </a:solidFill>
@@ -8157,8 +8722,8 @@
         </p:blipFill>
         <p:spPr>
           <a:xfrm>
-            <a:off x="145774" y="1285461"/>
-            <a:ext cx="12046226" cy="5572539"/>
+            <a:off x="145774" y="1192696"/>
+            <a:ext cx="12046226" cy="5665304"/>
           </a:xfrm>
           <a:prstGeom prst="rect">
             <a:avLst/>
@@ -8169,6 +8734,243 @@
     <p:extLst>
       <p:ext uri="{BB962C8B-B14F-4D97-AF65-F5344CB8AC3E}">
         <p14:creationId xmlns:p14="http://schemas.microsoft.com/office/powerpoint/2010/main" val="6642257"/>
+      </p:ext>
+    </p:extLst>
+  </p:cSld>
+  <p:clrMapOvr>
+    <a:masterClrMapping/>
+  </p:clrMapOvr>
+</p:sld>
+</file>
+
+<file path=ppt/slides/slide14.xml><?xml version="1.0" encoding="utf-8"?>
+<p:sld xmlns:a="http://schemas.openxmlformats.org/drawingml/2006/main" xmlns:r="http://schemas.openxmlformats.org/officeDocument/2006/relationships" xmlns:p="http://schemas.openxmlformats.org/presentationml/2006/main">
+  <p:cSld>
+    <p:spTree>
+      <p:nvGrpSpPr>
+        <p:cNvPr id="1" name=""/>
+        <p:cNvGrpSpPr/>
+        <p:nvPr/>
+      </p:nvGrpSpPr>
+      <p:grpSpPr>
+        <a:xfrm>
+          <a:off x="0" y="0"/>
+          <a:ext cx="0" cy="0"/>
+          <a:chOff x="0" y="0"/>
+          <a:chExt cx="0" cy="0"/>
+        </a:xfrm>
+      </p:grpSpPr>
+      <p:sp>
+        <p:nvSpPr>
+          <p:cNvPr id="2" name="Título 1">
+            <a:extLst>
+              <a:ext uri="{FF2B5EF4-FFF2-40B4-BE49-F238E27FC236}">
+                <a16:creationId xmlns:a16="http://schemas.microsoft.com/office/drawing/2014/main" id="{4169713A-A210-4525-8B5F-FB7DA9B3AF28}"/>
+              </a:ext>
+            </a:extLst>
+          </p:cNvPr>
+          <p:cNvSpPr>
+            <a:spLocks noGrp="1"/>
+          </p:cNvSpPr>
+          <p:nvPr>
+            <p:ph type="title"/>
+          </p:nvPr>
+        </p:nvSpPr>
+        <p:spPr>
+          <a:xfrm>
+            <a:off x="687388" y="284923"/>
+            <a:ext cx="10815499" cy="775251"/>
+          </a:xfrm>
+        </p:spPr>
+        <p:txBody>
+          <a:bodyPr>
+            <a:normAutofit/>
+          </a:bodyPr>
+          <a:lstStyle/>
+          <a:p>
+            <a:pPr algn="ctr"/>
+            <a:r>
+              <a:rPr lang="pt-BR" sz="4400" b="1" dirty="0"/>
+              <a:t>LIÇÕES APRENDIDAS</a:t>
+            </a:r>
+          </a:p>
+        </p:txBody>
+      </p:sp>
+      <p:sp>
+        <p:nvSpPr>
+          <p:cNvPr id="3" name="Espaço Reservado para Conteúdo 2">
+            <a:extLst>
+              <a:ext uri="{FF2B5EF4-FFF2-40B4-BE49-F238E27FC236}">
+                <a16:creationId xmlns:a16="http://schemas.microsoft.com/office/drawing/2014/main" id="{A991AFC6-6E92-4F15-83FE-5E386C97313C}"/>
+              </a:ext>
+            </a:extLst>
+          </p:cNvPr>
+          <p:cNvSpPr>
+            <a:spLocks noGrp="1"/>
+          </p:cNvSpPr>
+          <p:nvPr>
+            <p:ph idx="1"/>
+          </p:nvPr>
+        </p:nvSpPr>
+        <p:spPr>
+          <a:xfrm>
+            <a:off x="1166191" y="1325217"/>
+            <a:ext cx="10338421" cy="5367132"/>
+          </a:xfrm>
+        </p:spPr>
+        <p:txBody>
+          <a:bodyPr>
+            <a:normAutofit/>
+          </a:bodyPr>
+          <a:lstStyle/>
+          <a:p>
+            <a:r>
+              <a:rPr lang="pt-BR" sz="3600" dirty="0" err="1">
+                <a:solidFill>
+                  <a:schemeClr val="tx1"/>
+                </a:solidFill>
+              </a:rPr>
+              <a:t>Android</a:t>
+            </a:r>
+            <a:r>
+              <a:rPr lang="pt-BR" sz="3600" dirty="0">
+                <a:solidFill>
+                  <a:schemeClr val="tx1"/>
+                </a:solidFill>
+              </a:rPr>
+              <a:t> Studio. </a:t>
+            </a:r>
+          </a:p>
+          <a:p>
+            <a:pPr algn="just"/>
+            <a:r>
+              <a:rPr lang="pt-BR" sz="3600" dirty="0">
+                <a:solidFill>
+                  <a:schemeClr val="tx1"/>
+                </a:solidFill>
+              </a:rPr>
+              <a:t>Linguagem de programação Java.</a:t>
+            </a:r>
+          </a:p>
+          <a:p>
+            <a:pPr algn="just"/>
+            <a:r>
+              <a:rPr lang="pt-BR" sz="3600" dirty="0">
+                <a:solidFill>
+                  <a:schemeClr val="tx1"/>
+                </a:solidFill>
+              </a:rPr>
+              <a:t>Modelagem orientada a objetos, com base na UML (</a:t>
+            </a:r>
+            <a:r>
+              <a:rPr lang="pt-BR" sz="3600" dirty="0" err="1">
+                <a:solidFill>
+                  <a:schemeClr val="tx1"/>
+                </a:solidFill>
+              </a:rPr>
+              <a:t>Unified</a:t>
+            </a:r>
+            <a:r>
+              <a:rPr lang="pt-BR" sz="3600" dirty="0">
+                <a:solidFill>
+                  <a:schemeClr val="tx1"/>
+                </a:solidFill>
+              </a:rPr>
+              <a:t> </a:t>
+            </a:r>
+            <a:r>
+              <a:rPr lang="pt-BR" sz="3600" dirty="0" err="1">
+                <a:solidFill>
+                  <a:schemeClr val="tx1"/>
+                </a:solidFill>
+              </a:rPr>
+              <a:t>Modeling</a:t>
+            </a:r>
+            <a:r>
+              <a:rPr lang="pt-BR" sz="3600" dirty="0">
+                <a:solidFill>
+                  <a:schemeClr val="tx1"/>
+                </a:solidFill>
+              </a:rPr>
+              <a:t> </a:t>
+            </a:r>
+            <a:r>
+              <a:rPr lang="pt-BR" sz="3600" dirty="0" err="1">
+                <a:solidFill>
+                  <a:schemeClr val="tx1"/>
+                </a:solidFill>
+              </a:rPr>
+              <a:t>Language</a:t>
+            </a:r>
+            <a:r>
+              <a:rPr lang="pt-BR" sz="3600" dirty="0">
+                <a:solidFill>
+                  <a:schemeClr val="tx1"/>
+                </a:solidFill>
+              </a:rPr>
+              <a:t>).</a:t>
+            </a:r>
+          </a:p>
+          <a:p>
+            <a:pPr algn="just"/>
+            <a:r>
+              <a:rPr lang="pt-BR" sz="3600" dirty="0">
+                <a:solidFill>
+                  <a:schemeClr val="tx1"/>
+                </a:solidFill>
+              </a:rPr>
+              <a:t> Banco de dados com o auxílio do </a:t>
+            </a:r>
+            <a:r>
+              <a:rPr lang="pt-BR" sz="3600" dirty="0" err="1">
+                <a:solidFill>
+                  <a:schemeClr val="tx1"/>
+                </a:solidFill>
+              </a:rPr>
+              <a:t>SQLite</a:t>
+            </a:r>
+            <a:r>
+              <a:rPr lang="pt-BR" sz="3600" dirty="0">
+                <a:solidFill>
+                  <a:schemeClr val="tx1"/>
+                </a:solidFill>
+              </a:rPr>
+              <a:t>. </a:t>
+            </a:r>
+          </a:p>
+          <a:p>
+            <a:r>
+              <a:rPr lang="pt-BR" sz="3600" dirty="0">
+                <a:solidFill>
+                  <a:schemeClr val="tx1"/>
+                </a:solidFill>
+              </a:rPr>
+              <a:t> GitHub </a:t>
+            </a:r>
+          </a:p>
+          <a:p>
+            <a:r>
+              <a:rPr lang="pt-BR" sz="3600" dirty="0">
+                <a:solidFill>
+                  <a:schemeClr val="tx1"/>
+                </a:solidFill>
+              </a:rPr>
+              <a:t>Trello para gerenciamento de tarefas. </a:t>
+            </a:r>
+          </a:p>
+          <a:p>
+            <a:endParaRPr lang="pt-BR" dirty="0"/>
+          </a:p>
+          <a:p>
+            <a:pPr lvl="5"/>
+            <a:endParaRPr lang="pt-BR" dirty="0"/>
+          </a:p>
+        </p:txBody>
+      </p:sp>
+    </p:spTree>
+    <p:extLst>
+      <p:ext uri="{BB962C8B-B14F-4D97-AF65-F5344CB8AC3E}">
+        <p14:creationId xmlns:p14="http://schemas.microsoft.com/office/powerpoint/2010/main" val="976548459"/>
       </p:ext>
     </p:extLst>
   </p:cSld>
@@ -8335,8 +9137,8 @@
         </p:nvSpPr>
         <p:spPr>
           <a:xfrm>
-            <a:off x="1683027" y="624110"/>
-            <a:ext cx="9821586" cy="1280890"/>
+            <a:off x="1510748" y="624110"/>
+            <a:ext cx="9993865" cy="1280890"/>
           </a:xfrm>
         </p:spPr>
         <p:txBody>
@@ -8453,17 +9255,17 @@
         <p:spPr/>
         <p:txBody>
           <a:bodyPr>
-            <a:normAutofit fontScale="90000"/>
+            <a:normAutofit/>
           </a:bodyPr>
           <a:lstStyle/>
           <a:p>
             <a:r>
-              <a:rPr lang="pt-BR" sz="4800" b="1" dirty="0">
+              <a:rPr lang="pt-BR" sz="4000" b="1" dirty="0">
                 <a:solidFill>
                   <a:schemeClr val="tx1"/>
                 </a:solidFill>
               </a:rPr>
-              <a:t>COMO SERÁ DESENVOLVIDO ? </a:t>
+              <a:t>COMO FOI DESENVOLVIDO ? </a:t>
             </a:r>
           </a:p>
         </p:txBody>
@@ -8501,7 +9303,7 @@
                   <a:schemeClr val="tx1"/>
                 </a:solidFill>
               </a:rPr>
-              <a:t>O sistema deverá ser desenvolvido na linguagem de programação Java, com a utilização da ferramenta Android Studio. </a:t>
+              <a:t>O sistema foi desenvolvido na linguagem de programação Java, com a utilização da ferramenta Android Studio. </a:t>
             </a:r>
           </a:p>
           <a:p>
@@ -8512,7 +9314,7 @@
                   <a:schemeClr val="tx1"/>
                 </a:solidFill>
               </a:rPr>
-              <a:t>A modelagem utilizada será a orientada a objetos, com base na UML (</a:t>
+              <a:t>A modelagem utilizada foi orientada a objetos, com base na UML (</a:t>
             </a:r>
             <a:r>
               <a:rPr lang="pt-BR" sz="3200" dirty="0" err="1">
@@ -8688,13 +9490,13 @@
         </p:spPr>
         <p:txBody>
           <a:bodyPr>
-            <a:normAutofit/>
+            <a:normAutofit fontScale="92500"/>
           </a:bodyPr>
           <a:lstStyle/>
           <a:p>
             <a:pPr algn="just"/>
             <a:r>
-              <a:rPr lang="pt-BR" sz="2800" dirty="0">
+              <a:rPr lang="pt-BR" sz="3600" dirty="0">
                 <a:solidFill>
                   <a:schemeClr val="tx1"/>
                 </a:solidFill>
@@ -8705,7 +9507,7 @@
           <a:p>
             <a:pPr algn="just"/>
             <a:r>
-              <a:rPr lang="pt-BR" sz="2800" dirty="0">
+              <a:rPr lang="pt-BR" sz="3600" dirty="0">
                 <a:solidFill>
                   <a:schemeClr val="tx1"/>
                 </a:solidFill>
@@ -8713,7 +9515,7 @@
               <a:t>Os dados inseridos pelo usuário no aplicativo e os gerados pelo sistema serão armazenados no próprio dispositivo do usuário com o uso do banco de dados </a:t>
             </a:r>
             <a:r>
-              <a:rPr lang="pt-BR" sz="2800" dirty="0" err="1">
+              <a:rPr lang="pt-BR" sz="3600" dirty="0" err="1">
                 <a:solidFill>
                   <a:schemeClr val="tx1"/>
                 </a:solidFill>
@@ -8721,7 +9523,7 @@
               <a:t>SQLite</a:t>
             </a:r>
             <a:r>
-              <a:rPr lang="pt-BR" sz="2800" dirty="0">
+              <a:rPr lang="pt-BR" sz="3600" dirty="0">
                 <a:solidFill>
                   <a:schemeClr val="tx1"/>
                 </a:solidFill>
@@ -8730,19 +9532,10 @@
             </a:r>
           </a:p>
           <a:p>
-            <a:pPr algn="just"/>
-            <a:r>
-              <a:rPr lang="pt-BR" sz="2800" dirty="0">
-                <a:solidFill>
-                  <a:schemeClr val="tx1"/>
-                </a:solidFill>
-              </a:rPr>
-              <a:t>A cada entrada de um produto a quantidade default deve ser 1</a:t>
-            </a:r>
-            <a:r>
-              <a:rPr lang="pt-BR" sz="2800" dirty="0"/>
-              <a:t>.</a:t>
-            </a:r>
+            <a:pPr marL="0" indent="0" algn="just">
+              <a:buNone/>
+            </a:pPr>
+            <a:endParaRPr lang="pt-BR" sz="3600" dirty="0"/>
           </a:p>
           <a:p>
             <a:endParaRPr lang="pt-BR" dirty="0"/>
@@ -8809,7 +9602,7 @@
           <a:p>
             <a:pPr algn="ctr"/>
             <a:r>
-              <a:rPr lang="pt-BR" sz="6600" b="1" dirty="0">
+              <a:rPr lang="pt-BR" sz="6000" b="1" dirty="0">
                 <a:solidFill>
                   <a:schemeClr val="tx1"/>
                 </a:solidFill>
@@ -9399,4 +10192,299 @@
     </a:ext>
   </a:extLst>
 </a:theme>
+</file>
+
+<file path=ppt/theme/theme2.xml><?xml version="1.0" encoding="utf-8"?>
+<a:theme xmlns:a="http://schemas.openxmlformats.org/drawingml/2006/main" name="Tema do Office">
+  <a:themeElements>
+    <a:clrScheme name="Office">
+      <a:dk1>
+        <a:sysClr val="windowText" lastClr="000000"/>
+      </a:dk1>
+      <a:lt1>
+        <a:sysClr val="window" lastClr="FFFFFF"/>
+      </a:lt1>
+      <a:dk2>
+        <a:srgbClr val="44546A"/>
+      </a:dk2>
+      <a:lt2>
+        <a:srgbClr val="E7E6E6"/>
+      </a:lt2>
+      <a:accent1>
+        <a:srgbClr val="4472C4"/>
+      </a:accent1>
+      <a:accent2>
+        <a:srgbClr val="ED7D31"/>
+      </a:accent2>
+      <a:accent3>
+        <a:srgbClr val="A5A5A5"/>
+      </a:accent3>
+      <a:accent4>
+        <a:srgbClr val="FFC000"/>
+      </a:accent4>
+      <a:accent5>
+        <a:srgbClr val="5B9BD5"/>
+      </a:accent5>
+      <a:accent6>
+        <a:srgbClr val="70AD47"/>
+      </a:accent6>
+      <a:hlink>
+        <a:srgbClr val="0563C1"/>
+      </a:hlink>
+      <a:folHlink>
+        <a:srgbClr val="954F72"/>
+      </a:folHlink>
+    </a:clrScheme>
+    <a:fontScheme name="Office">
+      <a:majorFont>
+        <a:latin typeface="Calibri Light" panose="020F0302020204030204"/>
+        <a:ea typeface=""/>
+        <a:cs typeface=""/>
+        <a:font script="Jpan" typeface="游ゴシック Light"/>
+        <a:font script="Hang" typeface="맑은 고딕"/>
+        <a:font script="Hans" typeface="等线 Light"/>
+        <a:font script="Hant" typeface="新細明體"/>
+        <a:font script="Arab" typeface="Times New Roman"/>
+        <a:font script="Hebr" typeface="Times New Roman"/>
+        <a:font script="Thai" typeface="Angsana New"/>
+        <a:font script="Ethi" typeface="Nyala"/>
+        <a:font script="Beng" typeface="Vrinda"/>
+        <a:font script="Gujr" typeface="Shruti"/>
+        <a:font script="Khmr" typeface="MoolBoran"/>
+        <a:font script="Knda" typeface="Tunga"/>
+        <a:font script="Guru" typeface="Raavi"/>
+        <a:font script="Cans" typeface="Euphemia"/>
+        <a:font script="Cher" typeface="Plantagenet Cherokee"/>
+        <a:font script="Yiii" typeface="Microsoft Yi Baiti"/>
+        <a:font script="Tibt" typeface="Microsoft Himalaya"/>
+        <a:font script="Thaa" typeface="MV Boli"/>
+        <a:font script="Deva" typeface="Mangal"/>
+        <a:font script="Telu" typeface="Gautami"/>
+        <a:font script="Taml" typeface="Latha"/>
+        <a:font script="Syrc" typeface="Estrangelo Edessa"/>
+        <a:font script="Orya" typeface="Kalinga"/>
+        <a:font script="Mlym" typeface="Kartika"/>
+        <a:font script="Laoo" typeface="DokChampa"/>
+        <a:font script="Sinh" typeface="Iskoola Pota"/>
+        <a:font script="Mong" typeface="Mongolian Baiti"/>
+        <a:font script="Viet" typeface="Times New Roman"/>
+        <a:font script="Uigh" typeface="Microsoft Uighur"/>
+        <a:font script="Geor" typeface="Sylfaen"/>
+        <a:font script="Armn" typeface="Arial"/>
+        <a:font script="Bugi" typeface="Leelawadee UI"/>
+        <a:font script="Bopo" typeface="Microsoft JhengHei"/>
+        <a:font script="Java" typeface="Javanese Text"/>
+        <a:font script="Lisu" typeface="Segoe UI"/>
+        <a:font script="Mymr" typeface="Myanmar Text"/>
+        <a:font script="Nkoo" typeface="Ebrima"/>
+        <a:font script="Olck" typeface="Nirmala UI"/>
+        <a:font script="Osma" typeface="Ebrima"/>
+        <a:font script="Phag" typeface="Phagspa"/>
+        <a:font script="Syrn" typeface="Estrangelo Edessa"/>
+        <a:font script="Syrj" typeface="Estrangelo Edessa"/>
+        <a:font script="Syre" typeface="Estrangelo Edessa"/>
+        <a:font script="Sora" typeface="Nirmala UI"/>
+        <a:font script="Tale" typeface="Microsoft Tai Le"/>
+        <a:font script="Talu" typeface="Microsoft New Tai Lue"/>
+        <a:font script="Tfng" typeface="Ebrima"/>
+      </a:majorFont>
+      <a:minorFont>
+        <a:latin typeface="Calibri" panose="020F0502020204030204"/>
+        <a:ea typeface=""/>
+        <a:cs typeface=""/>
+        <a:font script="Jpan" typeface="游ゴシック"/>
+        <a:font script="Hang" typeface="맑은 고딕"/>
+        <a:font script="Hans" typeface="等线"/>
+        <a:font script="Hant" typeface="新細明體"/>
+        <a:font script="Arab" typeface="Arial"/>
+        <a:font script="Hebr" typeface="Arial"/>
+        <a:font script="Thai" typeface="Cordia New"/>
+        <a:font script="Ethi" typeface="Nyala"/>
+        <a:font script="Beng" typeface="Vrinda"/>
+        <a:font script="Gujr" typeface="Shruti"/>
+        <a:font script="Khmr" typeface="DaunPenh"/>
+        <a:font script="Knda" typeface="Tunga"/>
+        <a:font script="Guru" typeface="Raavi"/>
+        <a:font script="Cans" typeface="Euphemia"/>
+        <a:font script="Cher" typeface="Plantagenet Cherokee"/>
+        <a:font script="Yiii" typeface="Microsoft Yi Baiti"/>
+        <a:font script="Tibt" typeface="Microsoft Himalaya"/>
+        <a:font script="Thaa" typeface="MV Boli"/>
+        <a:font script="Deva" typeface="Mangal"/>
+        <a:font script="Telu" typeface="Gautami"/>
+        <a:font script="Taml" typeface="Latha"/>
+        <a:font script="Syrc" typeface="Estrangelo Edessa"/>
+        <a:font script="Orya" typeface="Kalinga"/>
+        <a:font script="Mlym" typeface="Kartika"/>
+        <a:font script="Laoo" typeface="DokChampa"/>
+        <a:font script="Sinh" typeface="Iskoola Pota"/>
+        <a:font script="Mong" typeface="Mongolian Baiti"/>
+        <a:font script="Viet" typeface="Arial"/>
+        <a:font script="Uigh" typeface="Microsoft Uighur"/>
+        <a:font script="Geor" typeface="Sylfaen"/>
+        <a:font script="Armn" typeface="Arial"/>
+        <a:font script="Bugi" typeface="Leelawadee UI"/>
+        <a:font script="Bopo" typeface="Microsoft JhengHei"/>
+        <a:font script="Java" typeface="Javanese Text"/>
+        <a:font script="Lisu" typeface="Segoe UI"/>
+        <a:font script="Mymr" typeface="Myanmar Text"/>
+        <a:font script="Nkoo" typeface="Ebrima"/>
+        <a:font script="Olck" typeface="Nirmala UI"/>
+        <a:font script="Osma" typeface="Ebrima"/>
+        <a:font script="Phag" typeface="Phagspa"/>
+        <a:font script="Syrn" typeface="Estrangelo Edessa"/>
+        <a:font script="Syrj" typeface="Estrangelo Edessa"/>
+        <a:font script="Syre" typeface="Estrangelo Edessa"/>
+        <a:font script="Sora" typeface="Nirmala UI"/>
+        <a:font script="Tale" typeface="Microsoft Tai Le"/>
+        <a:font script="Talu" typeface="Microsoft New Tai Lue"/>
+        <a:font script="Tfng" typeface="Ebrima"/>
+      </a:minorFont>
+    </a:fontScheme>
+    <a:fmtScheme name="Office">
+      <a:fillStyleLst>
+        <a:solidFill>
+          <a:schemeClr val="phClr"/>
+        </a:solidFill>
+        <a:gradFill rotWithShape="1">
+          <a:gsLst>
+            <a:gs pos="0">
+              <a:schemeClr val="phClr">
+                <a:lumMod val="110000"/>
+                <a:satMod val="105000"/>
+                <a:tint val="67000"/>
+              </a:schemeClr>
+            </a:gs>
+            <a:gs pos="50000">
+              <a:schemeClr val="phClr">
+                <a:lumMod val="105000"/>
+                <a:satMod val="103000"/>
+                <a:tint val="73000"/>
+              </a:schemeClr>
+            </a:gs>
+            <a:gs pos="100000">
+              <a:schemeClr val="phClr">
+                <a:lumMod val="105000"/>
+                <a:satMod val="109000"/>
+                <a:tint val="81000"/>
+              </a:schemeClr>
+            </a:gs>
+          </a:gsLst>
+          <a:lin ang="5400000" scaled="0"/>
+        </a:gradFill>
+        <a:gradFill rotWithShape="1">
+          <a:gsLst>
+            <a:gs pos="0">
+              <a:schemeClr val="phClr">
+                <a:satMod val="103000"/>
+                <a:lumMod val="102000"/>
+                <a:tint val="94000"/>
+              </a:schemeClr>
+            </a:gs>
+            <a:gs pos="50000">
+              <a:schemeClr val="phClr">
+                <a:satMod val="110000"/>
+                <a:lumMod val="100000"/>
+                <a:shade val="100000"/>
+              </a:schemeClr>
+            </a:gs>
+            <a:gs pos="100000">
+              <a:schemeClr val="phClr">
+                <a:lumMod val="99000"/>
+                <a:satMod val="120000"/>
+                <a:shade val="78000"/>
+              </a:schemeClr>
+            </a:gs>
+          </a:gsLst>
+          <a:lin ang="5400000" scaled="0"/>
+        </a:gradFill>
+      </a:fillStyleLst>
+      <a:lnStyleLst>
+        <a:ln w="6350" cap="flat" cmpd="sng" algn="ctr">
+          <a:solidFill>
+            <a:schemeClr val="phClr"/>
+          </a:solidFill>
+          <a:prstDash val="solid"/>
+          <a:miter lim="800000"/>
+        </a:ln>
+        <a:ln w="12700" cap="flat" cmpd="sng" algn="ctr">
+          <a:solidFill>
+            <a:schemeClr val="phClr"/>
+          </a:solidFill>
+          <a:prstDash val="solid"/>
+          <a:miter lim="800000"/>
+        </a:ln>
+        <a:ln w="19050" cap="flat" cmpd="sng" algn="ctr">
+          <a:solidFill>
+            <a:schemeClr val="phClr"/>
+          </a:solidFill>
+          <a:prstDash val="solid"/>
+          <a:miter lim="800000"/>
+        </a:ln>
+      </a:lnStyleLst>
+      <a:effectStyleLst>
+        <a:effectStyle>
+          <a:effectLst/>
+        </a:effectStyle>
+        <a:effectStyle>
+          <a:effectLst/>
+        </a:effectStyle>
+        <a:effectStyle>
+          <a:effectLst>
+            <a:outerShdw blurRad="57150" dist="19050" dir="5400000" algn="ctr" rotWithShape="0">
+              <a:srgbClr val="000000">
+                <a:alpha val="63000"/>
+              </a:srgbClr>
+            </a:outerShdw>
+          </a:effectLst>
+        </a:effectStyle>
+      </a:effectStyleLst>
+      <a:bgFillStyleLst>
+        <a:solidFill>
+          <a:schemeClr val="phClr"/>
+        </a:solidFill>
+        <a:solidFill>
+          <a:schemeClr val="phClr">
+            <a:tint val="95000"/>
+            <a:satMod val="170000"/>
+          </a:schemeClr>
+        </a:solidFill>
+        <a:gradFill rotWithShape="1">
+          <a:gsLst>
+            <a:gs pos="0">
+              <a:schemeClr val="phClr">
+                <a:tint val="93000"/>
+                <a:satMod val="150000"/>
+                <a:shade val="98000"/>
+                <a:lumMod val="102000"/>
+              </a:schemeClr>
+            </a:gs>
+            <a:gs pos="50000">
+              <a:schemeClr val="phClr">
+                <a:tint val="98000"/>
+                <a:satMod val="130000"/>
+                <a:shade val="90000"/>
+                <a:lumMod val="103000"/>
+              </a:schemeClr>
+            </a:gs>
+            <a:gs pos="100000">
+              <a:schemeClr val="phClr">
+                <a:shade val="63000"/>
+                <a:satMod val="120000"/>
+              </a:schemeClr>
+            </a:gs>
+          </a:gsLst>
+          <a:lin ang="5400000" scaled="0"/>
+        </a:gradFill>
+      </a:bgFillStyleLst>
+    </a:fmtScheme>
+  </a:themeElements>
+  <a:objectDefaults/>
+  <a:extraClrSchemeLst/>
+  <a:extLst>
+    <a:ext uri="{05A4C25C-085E-4340-85A3-A5531E510DB2}">
+      <thm15:themeFamily xmlns:thm15="http://schemas.microsoft.com/office/thememl/2012/main" name="Office Theme" id="{62F939B6-93AF-4DB8-9C6B-D6C7DFDC589F}" vid="{4A3C46E8-61CC-4603-A589-7422A47A8E4A}"/>
+    </a:ext>
+  </a:extLst>
+</a:theme>
 </file>